--- a/Vision.pptx
+++ b/Vision.pptx
@@ -16,11 +16,11 @@
   <p:notesSz cx="6858000" cy="9144000"/>
   <p:embeddedFontLst>
     <p:embeddedFont>
-      <p:font typeface="Fira Sans Light" panose="020F0502020204030204" pitchFamily="34" charset="0"/>
+      <p:font typeface="Fira Sans Light" panose="020B0403050000020004" pitchFamily="34" charset="0"/>
       <p:regular r:id="rId8"/>
     </p:embeddedFont>
     <p:embeddedFont>
-      <p:font typeface="Fira Sans Medium" panose="020F0502020204030204" pitchFamily="34" charset="0"/>
+      <p:font typeface="Fira Sans Medium" panose="020B0603050000020004" pitchFamily="34" charset="0"/>
       <p:regular r:id="rId9"/>
     </p:embeddedFont>
     <p:embeddedFont>
@@ -5839,10 +5839,10 @@
         </p:nvGrpSpPr>
         <p:grpSpPr>
           <a:xfrm>
-            <a:off x="1028700" y="2274387"/>
-            <a:ext cx="10972261" cy="5650173"/>
+            <a:off x="1200364" y="3145164"/>
+            <a:ext cx="10972261" cy="5666145"/>
             <a:chOff x="0" y="-73378"/>
-            <a:chExt cx="14629682" cy="7533565"/>
+            <a:chExt cx="14629682" cy="7554861"/>
           </a:xfrm>
         </p:grpSpPr>
         <p:sp>
@@ -5875,7 +5875,7 @@
                 </a:spcBef>
               </a:pPr>
               <a:r>
-                <a:rPr lang="en-US" sz="3999" b="1">
+                <a:rPr lang="en-US" sz="3999" b="1" dirty="0">
                   <a:solidFill>
                     <a:srgbClr val="000000"/>
                   </a:solidFill>
@@ -5884,8 +5884,29 @@
                   <a:cs typeface="Fira Sans Medium"/>
                   <a:sym typeface="Fira Sans Medium"/>
                 </a:rPr>
-                <a:t>Prendre rendez-vous</a:t>
+                <a:t>Prendre </a:t>
               </a:r>
+              <a:r>
+                <a:rPr lang="en-US" sz="3999" b="1" dirty="0" err="1">
+                  <a:solidFill>
+                    <a:srgbClr val="000000"/>
+                  </a:solidFill>
+                  <a:latin typeface="Fira Sans Medium"/>
+                  <a:ea typeface="Fira Sans Medium"/>
+                  <a:cs typeface="Fira Sans Medium"/>
+                  <a:sym typeface="Fira Sans Medium"/>
+                </a:rPr>
+                <a:t>rendez-vous</a:t>
+              </a:r>
+              <a:endParaRPr lang="en-US" sz="3999" b="1" dirty="0">
+                <a:solidFill>
+                  <a:srgbClr val="000000"/>
+                </a:solidFill>
+                <a:latin typeface="Fira Sans Medium"/>
+                <a:ea typeface="Fira Sans Medium"/>
+                <a:cs typeface="Fira Sans Medium"/>
+                <a:sym typeface="Fira Sans Medium"/>
+              </a:endParaRPr>
             </a:p>
           </p:txBody>
         </p:sp>
@@ -5950,8 +5971,8 @@
           </p:nvSpPr>
           <p:spPr>
             <a:xfrm>
-              <a:off x="0" y="1491992"/>
-              <a:ext cx="12218022" cy="1607185"/>
+              <a:off x="0" y="847038"/>
+              <a:ext cx="12218022" cy="3914063"/>
             </a:xfrm>
             <a:prstGeom prst="rect">
               <a:avLst/>
@@ -5963,6 +5984,38 @@
             </a:bodyPr>
             <a:lstStyle/>
             <a:p>
+              <a:pPr marL="250984" lvl="1" algn="l">
+                <a:lnSpc>
+                  <a:spcPts val="3255"/>
+                </a:lnSpc>
+              </a:pPr>
+              <a:endParaRPr lang="en-US" sz="2325" dirty="0">
+                <a:solidFill>
+                  <a:srgbClr val="000000"/>
+                </a:solidFill>
+                <a:latin typeface="Fira Sans Light"/>
+                <a:ea typeface="Fira Sans Light"/>
+                <a:cs typeface="Fira Sans Light"/>
+                <a:sym typeface="Fira Sans Light"/>
+              </a:endParaRPr>
+            </a:p>
+            <a:p>
+              <a:pPr marL="250984" lvl="1" algn="l">
+                <a:lnSpc>
+                  <a:spcPts val="3255"/>
+                </a:lnSpc>
+              </a:pPr>
+              <a:endParaRPr lang="en-US" sz="2325" dirty="0">
+                <a:solidFill>
+                  <a:srgbClr val="000000"/>
+                </a:solidFill>
+                <a:latin typeface="Fira Sans Light"/>
+                <a:ea typeface="Fira Sans Light"/>
+                <a:cs typeface="Fira Sans Light"/>
+                <a:sym typeface="Fira Sans Light"/>
+              </a:endParaRPr>
+            </a:p>
+            <a:p>
               <a:pPr marL="501969" lvl="1" indent="-250985" algn="l">
                 <a:lnSpc>
                   <a:spcPts val="3255"/>
@@ -5971,7 +6024,7 @@
                 <a:buChar char="•"/>
               </a:pPr>
               <a:r>
-                <a:rPr lang="en-US" sz="2325">
+                <a:rPr lang="en-US" sz="2325" u="none" dirty="0">
                   <a:solidFill>
                     <a:srgbClr val="000000"/>
                   </a:solidFill>
@@ -5980,7 +6033,127 @@
                   <a:cs typeface="Fira Sans Light"/>
                   <a:sym typeface="Fira Sans Light"/>
                 </a:rPr>
-                <a:t>affichage statique</a:t>
+                <a:t>Pas de </a:t>
+              </a:r>
+              <a:r>
+                <a:rPr lang="en-US" sz="2325" u="none" dirty="0" err="1">
+                  <a:solidFill>
+                    <a:srgbClr val="000000"/>
+                  </a:solidFill>
+                  <a:latin typeface="Fira Sans Light"/>
+                  <a:ea typeface="Fira Sans Light"/>
+                  <a:cs typeface="Fira Sans Light"/>
+                  <a:sym typeface="Fira Sans Light"/>
+                </a:rPr>
+                <a:t>rendez-vous</a:t>
+              </a:r>
+              <a:r>
+                <a:rPr lang="en-US" sz="2325" u="none" dirty="0">
+                  <a:solidFill>
+                    <a:srgbClr val="000000"/>
+                  </a:solidFill>
+                  <a:latin typeface="Fira Sans Light"/>
+                  <a:ea typeface="Fira Sans Light"/>
+                  <a:cs typeface="Fira Sans Light"/>
+                  <a:sym typeface="Fira Sans Light"/>
+                </a:rPr>
+                <a:t> </a:t>
+              </a:r>
+              <a:r>
+                <a:rPr lang="en-US" sz="2325" u="none" dirty="0" err="1">
+                  <a:solidFill>
+                    <a:srgbClr val="000000"/>
+                  </a:solidFill>
+                  <a:latin typeface="Fira Sans Light"/>
+                  <a:ea typeface="Fira Sans Light"/>
+                  <a:cs typeface="Fira Sans Light"/>
+                  <a:sym typeface="Fira Sans Light"/>
+                </a:rPr>
+                <a:t>dynamique</a:t>
+              </a:r>
+              <a:r>
+                <a:rPr lang="en-US" sz="2325" u="none" dirty="0">
+                  <a:solidFill>
+                    <a:srgbClr val="000000"/>
+                  </a:solidFill>
+                  <a:latin typeface="Fira Sans Light"/>
+                  <a:ea typeface="Fira Sans Light"/>
+                  <a:cs typeface="Fira Sans Light"/>
+                  <a:sym typeface="Fira Sans Light"/>
+                </a:rPr>
+                <a:t> avec le </a:t>
+              </a:r>
+              <a:r>
+                <a:rPr lang="en-US" sz="2325" u="none" dirty="0" err="1">
+                  <a:solidFill>
+                    <a:srgbClr val="000000"/>
+                  </a:solidFill>
+                  <a:latin typeface="Fira Sans Light"/>
+                  <a:ea typeface="Fira Sans Light"/>
+                  <a:cs typeface="Fira Sans Light"/>
+                  <a:sym typeface="Fira Sans Light"/>
+                </a:rPr>
+                <a:t>calendrier</a:t>
+              </a:r>
+              <a:r>
+                <a:rPr lang="en-US" sz="2325" u="none" dirty="0">
+                  <a:solidFill>
+                    <a:srgbClr val="000000"/>
+                  </a:solidFill>
+                  <a:latin typeface="Fira Sans Light"/>
+                  <a:ea typeface="Fira Sans Light"/>
+                  <a:cs typeface="Fira Sans Light"/>
+                  <a:sym typeface="Fira Sans Light"/>
+                </a:rPr>
+                <a:t> du </a:t>
+              </a:r>
+              <a:r>
+                <a:rPr lang="en-US" sz="2325" u="none" dirty="0" err="1">
+                  <a:solidFill>
+                    <a:srgbClr val="000000"/>
+                  </a:solidFill>
+                  <a:latin typeface="Fira Sans Light"/>
+                  <a:ea typeface="Fira Sans Light"/>
+                  <a:cs typeface="Fira Sans Light"/>
+                  <a:sym typeface="Fira Sans Light"/>
+                </a:rPr>
+                <a:t>coter</a:t>
+              </a:r>
+              <a:r>
+                <a:rPr lang="en-US" sz="2325" u="none" dirty="0">
+                  <a:solidFill>
+                    <a:srgbClr val="000000"/>
+                  </a:solidFill>
+                  <a:latin typeface="Fira Sans Light"/>
+                  <a:ea typeface="Fira Sans Light"/>
+                  <a:cs typeface="Fira Sans Light"/>
+                  <a:sym typeface="Fira Sans Light"/>
+                </a:rPr>
+                <a:t> </a:t>
+              </a:r>
+              <a:r>
+                <a:rPr lang="en-US" sz="2325" u="none" dirty="0" err="1">
+                  <a:solidFill>
+                    <a:srgbClr val="000000"/>
+                  </a:solidFill>
+                  <a:latin typeface="Fira Sans Light"/>
+                  <a:ea typeface="Fira Sans Light"/>
+                  <a:cs typeface="Fira Sans Light"/>
+                  <a:sym typeface="Fira Sans Light"/>
+                </a:rPr>
+                <a:t>médecin</a:t>
+              </a:r>
+              <a:r>
+                <a:rPr lang="en-US" sz="2325" u="none" dirty="0">
+                  <a:solidFill>
+                    <a:srgbClr val="000000"/>
+                  </a:solidFill>
+                  <a:latin typeface="Fira Sans Light"/>
+                  <a:ea typeface="Fira Sans Light"/>
+                  <a:cs typeface="Fira Sans Light"/>
+                  <a:sym typeface="Fira Sans Light"/>
+                </a:rPr>
+                <a:t> </a:t>
               </a:r>
             </a:p>
             <a:p>
@@ -5992,7 +6165,7 @@
                 <a:buChar char="•"/>
               </a:pPr>
               <a:r>
-                <a:rPr lang="en-US" sz="2325">
+                <a:rPr lang="en-US" sz="2325" dirty="0">
                   <a:solidFill>
                     <a:srgbClr val="000000"/>
                   </a:solidFill>
@@ -6001,7 +6174,31 @@
                   <a:cs typeface="Fira Sans Light"/>
                   <a:sym typeface="Fira Sans Light"/>
                 </a:rPr>
-                <a:t>Pas de possibilité de prendre des rendez-vous</a:t>
+                <a:t>Petit </a:t>
+              </a:r>
+              <a:r>
+                <a:rPr lang="en-US" sz="2325" dirty="0" err="1">
+                  <a:solidFill>
+                    <a:srgbClr val="000000"/>
+                  </a:solidFill>
+                  <a:latin typeface="Fira Sans Light"/>
+                  <a:ea typeface="Fira Sans Light"/>
+                  <a:cs typeface="Fira Sans Light"/>
+                  <a:sym typeface="Fira Sans Light"/>
+                </a:rPr>
+                <a:t>changement</a:t>
+              </a:r>
+              <a:r>
+                <a:rPr lang="en-US" sz="2325" dirty="0">
+                  <a:solidFill>
+                    <a:srgbClr val="000000"/>
+                  </a:solidFill>
+                  <a:latin typeface="Fira Sans Light"/>
+                  <a:ea typeface="Fira Sans Light"/>
+                  <a:cs typeface="Fira Sans Light"/>
+                  <a:sym typeface="Fira Sans Light"/>
+                </a:rPr>
+                <a:t> du MCD</a:t>
               </a:r>
             </a:p>
             <a:p>
@@ -6012,18 +6209,33 @@
                 <a:buFont typeface="Arial"/>
                 <a:buChar char="•"/>
               </a:pPr>
-              <a:r>
-                <a:rPr lang="en-US" sz="2325" u="none">
-                  <a:solidFill>
-                    <a:srgbClr val="000000"/>
-                  </a:solidFill>
-                  <a:latin typeface="Fira Sans Light"/>
-                  <a:ea typeface="Fira Sans Light"/>
-                  <a:cs typeface="Fira Sans Light"/>
-                  <a:sym typeface="Fira Sans Light"/>
-                </a:rPr>
-                <a:t>Pas de rendez-vous du coter médecin </a:t>
-              </a:r>
+              <a:endParaRPr lang="en-US" sz="2325" dirty="0">
+                <a:solidFill>
+                  <a:srgbClr val="000000"/>
+                </a:solidFill>
+                <a:latin typeface="Fira Sans Light"/>
+                <a:ea typeface="Fira Sans Light"/>
+                <a:cs typeface="Fira Sans Light"/>
+                <a:sym typeface="Fira Sans Light"/>
+              </a:endParaRPr>
+            </a:p>
+            <a:p>
+              <a:pPr marL="501969" lvl="1" indent="-250985" algn="l">
+                <a:lnSpc>
+                  <a:spcPts val="3255"/>
+                </a:lnSpc>
+                <a:buFont typeface="Arial"/>
+                <a:buChar char="•"/>
+              </a:pPr>
+              <a:endParaRPr lang="en-US" sz="2325" u="none" dirty="0">
+                <a:solidFill>
+                  <a:srgbClr val="000000"/>
+                </a:solidFill>
+                <a:latin typeface="Fira Sans Light"/>
+                <a:ea typeface="Fira Sans Light"/>
+                <a:cs typeface="Fira Sans Light"/>
+                <a:sym typeface="Fira Sans Light"/>
+              </a:endParaRPr>
             </a:p>
           </p:txBody>
         </p:sp>
@@ -6036,7 +6248,7 @@
           <p:spPr>
             <a:xfrm>
               <a:off x="0" y="6421962"/>
-              <a:ext cx="12218022" cy="1038225"/>
+              <a:ext cx="12218022" cy="1059521"/>
             </a:xfrm>
             <a:prstGeom prst="rect">
               <a:avLst/>
@@ -6056,7 +6268,7 @@
                 <a:buChar char="•"/>
               </a:pPr>
               <a:r>
-                <a:rPr lang="en-US" sz="2250">
+                <a:rPr lang="en-US" sz="2250" dirty="0">
                   <a:solidFill>
                     <a:srgbClr val="000000"/>
                   </a:solidFill>
@@ -6065,8 +6277,29 @@
                   <a:cs typeface="Fira Sans Light"/>
                   <a:sym typeface="Fira Sans Light"/>
                 </a:rPr>
-                <a:t>Pour inscription et connexion</a:t>
+                <a:t>Pour inscription et </a:t>
               </a:r>
+              <a:r>
+                <a:rPr lang="en-US" sz="2250" dirty="0" err="1">
+                  <a:solidFill>
+                    <a:srgbClr val="000000"/>
+                  </a:solidFill>
+                  <a:latin typeface="Fira Sans Light"/>
+                  <a:ea typeface="Fira Sans Light"/>
+                  <a:cs typeface="Fira Sans Light"/>
+                  <a:sym typeface="Fira Sans Light"/>
+                </a:rPr>
+                <a:t>connexion</a:t>
+              </a:r>
+              <a:endParaRPr lang="en-US" sz="2250" dirty="0">
+                <a:solidFill>
+                  <a:srgbClr val="000000"/>
+                </a:solidFill>
+                <a:latin typeface="Fira Sans Light"/>
+                <a:ea typeface="Fira Sans Light"/>
+                <a:cs typeface="Fira Sans Light"/>
+                <a:sym typeface="Fira Sans Light"/>
+              </a:endParaRPr>
             </a:p>
             <a:p>
               <a:pPr marL="485777" lvl="1" indent="-242888" algn="l">
@@ -6077,7 +6310,7 @@
                 <a:buChar char="•"/>
               </a:pPr>
               <a:r>
-                <a:rPr lang="en-US" sz="2250" u="none">
+                <a:rPr lang="en-US" sz="2250" dirty="0" err="1">
                   <a:solidFill>
                     <a:srgbClr val="000000"/>
                   </a:solidFill>
@@ -6086,8 +6319,29 @@
                   <a:cs typeface="Fira Sans Light"/>
                   <a:sym typeface="Fira Sans Light"/>
                 </a:rPr>
-                <a:t>constante.php</a:t>
+                <a:t>database</a:t>
               </a:r>
+              <a:r>
+                <a:rPr lang="en-US" sz="2250" u="none" dirty="0" err="1">
+                  <a:solidFill>
+                    <a:srgbClr val="000000"/>
+                  </a:solidFill>
+                  <a:latin typeface="Fira Sans Light"/>
+                  <a:ea typeface="Fira Sans Light"/>
+                  <a:cs typeface="Fira Sans Light"/>
+                  <a:sym typeface="Fira Sans Light"/>
+                </a:rPr>
+                <a:t>.php</a:t>
+              </a:r>
+              <a:endParaRPr lang="en-US" sz="2250" u="none" dirty="0">
+                <a:solidFill>
+                  <a:srgbClr val="000000"/>
+                </a:solidFill>
+                <a:latin typeface="Fira Sans Light"/>
+                <a:ea typeface="Fira Sans Light"/>
+                <a:cs typeface="Fira Sans Light"/>
+                <a:sym typeface="Fira Sans Light"/>
+              </a:endParaRPr>
             </a:p>
           </p:txBody>
         </p:sp>
@@ -6231,12 +6485,233 @@
               <a:bodyPr/>
               <a:lstStyle/>
               <a:p>
-                <a:endParaRPr lang="fr-FR"/>
+                <a:endParaRPr lang="fr-FR" dirty="0"/>
               </a:p>
             </p:txBody>
           </p:sp>
         </p:grpSp>
       </p:grpSp>
+      <p:sp>
+        <p:nvSpPr>
+          <p:cNvPr id="12" name="ZoneTexte 11">
+            <a:extLst>
+              <a:ext uri="{FF2B5EF4-FFF2-40B4-BE49-F238E27FC236}">
+                <a16:creationId xmlns:a16="http://schemas.microsoft.com/office/drawing/2014/main" id="{61BAD6DA-FDB5-B880-310E-D478D992E11B}"/>
+              </a:ext>
+            </a:extLst>
+          </p:cNvPr>
+          <p:cNvSpPr txBox="1"/>
+          <p:nvPr/>
+        </p:nvSpPr>
+        <p:spPr>
+          <a:xfrm>
+            <a:off x="18195699" y="4172111"/>
+            <a:ext cx="4648200" cy="2123658"/>
+          </a:xfrm>
+          <a:prstGeom prst="rect">
+            <a:avLst/>
+          </a:prstGeom>
+          <a:noFill/>
+        </p:spPr>
+        <p:txBody>
+          <a:bodyPr wrap="square" rtlCol="0">
+            <a:spAutoFit/>
+          </a:bodyPr>
+          <a:lstStyle/>
+          <a:p>
+            <a:r>
+              <a:rPr lang="fr-FR" sz="6600" dirty="0"/>
+              <a:t>Difficultés rencontrés</a:t>
+            </a:r>
+          </a:p>
+        </p:txBody>
+      </p:sp>
+      <p:sp>
+        <p:nvSpPr>
+          <p:cNvPr id="13" name="ZoneTexte 12">
+            <a:extLst>
+              <a:ext uri="{FF2B5EF4-FFF2-40B4-BE49-F238E27FC236}">
+                <a16:creationId xmlns:a16="http://schemas.microsoft.com/office/drawing/2014/main" id="{56371162-7333-C1C5-38E3-B7E70F3954F0}"/>
+              </a:ext>
+            </a:extLst>
+          </p:cNvPr>
+          <p:cNvSpPr txBox="1"/>
+          <p:nvPr/>
+        </p:nvSpPr>
+        <p:spPr>
+          <a:xfrm>
+            <a:off x="1200364" y="1039960"/>
+            <a:ext cx="8686800" cy="3724096"/>
+          </a:xfrm>
+          <a:prstGeom prst="rect">
+            <a:avLst/>
+          </a:prstGeom>
+          <a:noFill/>
+        </p:spPr>
+        <p:txBody>
+          <a:bodyPr wrap="square" rtlCol="0">
+            <a:spAutoFit/>
+          </a:bodyPr>
+          <a:lstStyle/>
+          <a:p>
+            <a:r>
+              <a:rPr lang="en-US" sz="4000" b="1" dirty="0">
+                <a:solidFill>
+                  <a:srgbClr val="000000"/>
+                </a:solidFill>
+                <a:latin typeface="Fira Sans Medium"/>
+                <a:ea typeface="Fira Sans Medium"/>
+                <a:cs typeface="Fira Sans Medium"/>
+                <a:sym typeface="Fira Sans Medium"/>
+              </a:rPr>
+              <a:t>Bootstrap et </a:t>
+            </a:r>
+            <a:r>
+              <a:rPr lang="en-US" sz="4000" b="1" dirty="0" err="1">
+                <a:solidFill>
+                  <a:srgbClr val="000000"/>
+                </a:solidFill>
+                <a:latin typeface="Fira Sans Medium"/>
+                <a:ea typeface="Fira Sans Medium"/>
+                <a:cs typeface="Fira Sans Medium"/>
+                <a:sym typeface="Fira Sans Medium"/>
+              </a:rPr>
+              <a:t>css</a:t>
+            </a:r>
+            <a:endParaRPr lang="en-US" sz="4000" b="1" dirty="0">
+              <a:solidFill>
+                <a:srgbClr val="000000"/>
+              </a:solidFill>
+              <a:latin typeface="Fira Sans Medium"/>
+              <a:ea typeface="Fira Sans Medium"/>
+              <a:cs typeface="Fira Sans Medium"/>
+              <a:sym typeface="Fira Sans Medium"/>
+            </a:endParaRPr>
+          </a:p>
+          <a:p>
+            <a:endParaRPr lang="en-US" sz="2400" b="1" dirty="0">
+              <a:solidFill>
+                <a:srgbClr val="000000"/>
+              </a:solidFill>
+              <a:latin typeface="Fira Sans Medium"/>
+              <a:ea typeface="Fira Sans Medium"/>
+              <a:cs typeface="Fira Sans Medium"/>
+              <a:sym typeface="Fira Sans Medium"/>
+            </a:endParaRPr>
+          </a:p>
+          <a:p>
+            <a:r>
+              <a:rPr lang="en-US" sz="2400" dirty="0">
+                <a:solidFill>
+                  <a:srgbClr val="000000"/>
+                </a:solidFill>
+                <a:latin typeface="Fira Sans Medium"/>
+                <a:ea typeface="Fira Sans Medium"/>
+                <a:cs typeface="Fira Sans Medium"/>
+                <a:sym typeface="Fira Sans Medium"/>
+              </a:rPr>
+              <a:t>- </a:t>
+            </a:r>
+            <a:r>
+              <a:rPr lang="en-US" sz="2400" dirty="0" err="1">
+                <a:solidFill>
+                  <a:srgbClr val="000000"/>
+                </a:solidFill>
+                <a:latin typeface="Fira Sans Medium"/>
+                <a:ea typeface="Fira Sans Medium"/>
+                <a:cs typeface="Fira Sans Medium"/>
+                <a:sym typeface="Fira Sans Medium"/>
+              </a:rPr>
+              <a:t>Probleme</a:t>
+            </a:r>
+            <a:r>
+              <a:rPr lang="en-US" sz="2400" dirty="0">
+                <a:solidFill>
+                  <a:srgbClr val="000000"/>
+                </a:solidFill>
+                <a:latin typeface="Fira Sans Medium"/>
+                <a:ea typeface="Fira Sans Medium"/>
+                <a:cs typeface="Fira Sans Medium"/>
+                <a:sym typeface="Fira Sans Medium"/>
+              </a:rPr>
+              <a:t> </a:t>
+            </a:r>
+            <a:r>
+              <a:rPr lang="en-US" sz="2400" dirty="0" err="1">
+                <a:solidFill>
+                  <a:srgbClr val="000000"/>
+                </a:solidFill>
+                <a:latin typeface="Fira Sans Medium"/>
+                <a:ea typeface="Fira Sans Medium"/>
+                <a:cs typeface="Fira Sans Medium"/>
+                <a:sym typeface="Fira Sans Medium"/>
+              </a:rPr>
+              <a:t>d’organisation</a:t>
+            </a:r>
+            <a:r>
+              <a:rPr lang="en-US" sz="2400" dirty="0">
+                <a:solidFill>
+                  <a:srgbClr val="000000"/>
+                </a:solidFill>
+                <a:latin typeface="Fira Sans Medium"/>
+                <a:ea typeface="Fira Sans Medium"/>
+                <a:cs typeface="Fira Sans Medium"/>
+                <a:sym typeface="Fira Sans Medium"/>
+              </a:rPr>
+              <a:t> des </a:t>
+            </a:r>
+            <a:r>
+              <a:rPr lang="en-US" sz="2400" dirty="0" err="1">
+                <a:solidFill>
+                  <a:srgbClr val="000000"/>
+                </a:solidFill>
+                <a:latin typeface="Fira Sans Medium"/>
+                <a:ea typeface="Fira Sans Medium"/>
+                <a:cs typeface="Fira Sans Medium"/>
+                <a:sym typeface="Fira Sans Medium"/>
+              </a:rPr>
+              <a:t>élements</a:t>
+            </a:r>
+            <a:r>
+              <a:rPr lang="en-US" sz="2400" dirty="0">
+                <a:solidFill>
+                  <a:srgbClr val="000000"/>
+                </a:solidFill>
+                <a:latin typeface="Fira Sans Medium"/>
+                <a:ea typeface="Fira Sans Medium"/>
+                <a:cs typeface="Fira Sans Medium"/>
+                <a:sym typeface="Fira Sans Medium"/>
+              </a:rPr>
+              <a:t> avec les class bootstrap</a:t>
+            </a:r>
+          </a:p>
+          <a:p>
+            <a:endParaRPr lang="en-US" sz="3600" b="1" dirty="0">
+              <a:solidFill>
+                <a:srgbClr val="000000"/>
+              </a:solidFill>
+              <a:latin typeface="Fira Sans Medium"/>
+              <a:ea typeface="Fira Sans Medium"/>
+              <a:cs typeface="Fira Sans Medium"/>
+              <a:sym typeface="Fira Sans Medium"/>
+            </a:endParaRPr>
+          </a:p>
+          <a:p>
+            <a:endParaRPr lang="en-US" sz="4000" b="1" dirty="0">
+              <a:solidFill>
+                <a:srgbClr val="000000"/>
+              </a:solidFill>
+              <a:latin typeface="Fira Sans Medium"/>
+              <a:ea typeface="Fira Sans Medium"/>
+              <a:cs typeface="Fira Sans Medium"/>
+              <a:sym typeface="Fira Sans Medium"/>
+            </a:endParaRPr>
+          </a:p>
+          <a:p>
+            <a:endParaRPr lang="fr-FR" sz="4800" b="1" dirty="0"/>
+          </a:p>
+        </p:txBody>
+      </p:sp>
     </p:spTree>
   </p:cSld>
   <p:clrMapOvr>
